--- a/5. Deep Reinforcement Learning.pptx
+++ b/5. Deep Reinforcement Learning.pptx
@@ -6,7 +6,7 @@
     <p:sldMasterId id="2147483679" r:id="rId2"/>
   </p:sldMasterIdLst>
   <p:notesMasterIdLst>
-    <p:notesMasterId r:id="rId15"/>
+    <p:notesMasterId r:id="rId16"/>
   </p:notesMasterIdLst>
   <p:sldIdLst>
     <p:sldId id="1806" r:id="rId3"/>
@@ -21,6 +21,7 @@
     <p:sldId id="1814" r:id="rId12"/>
     <p:sldId id="1804" r:id="rId13"/>
     <p:sldId id="1799" r:id="rId14"/>
+    <p:sldId id="1816" r:id="rId15"/>
   </p:sldIdLst>
   <p:sldSz cx="12192000" cy="6858000"/>
   <p:notesSz cx="6858000" cy="9144000"/>
@@ -209,7 +210,7 @@
           <a:p>
             <a:fld id="{520A6901-6285-4D39-AB6F-BDF9A56BC59F}" type="datetimeFigureOut">
               <a:rPr lang="en-US" smtClean="0"/>
-              <a:t>5/15/2023</a:t>
+              <a:t>5/16/2023</a:t>
             </a:fld>
             <a:endParaRPr lang="en-US"/>
           </a:p>
@@ -1244,6 +1245,90 @@
     <p:extLst>
       <p:ext uri="{BB962C8B-B14F-4D97-AF65-F5344CB8AC3E}">
         <p14:creationId xmlns:p14="http://schemas.microsoft.com/office/powerpoint/2010/main" val="1610188948"/>
+      </p:ext>
+    </p:extLst>
+  </p:cSld>
+  <p:clrMapOvr>
+    <a:masterClrMapping/>
+  </p:clrMapOvr>
+</p:notes>
+</file>
+
+<file path=ppt/notesSlides/notesSlide7.xml><?xml version="1.0" encoding="utf-8"?>
+<p:notes xmlns:a="http://schemas.openxmlformats.org/drawingml/2006/main" xmlns:r="http://schemas.openxmlformats.org/officeDocument/2006/relationships" xmlns:p="http://schemas.openxmlformats.org/presentationml/2006/main">
+  <p:cSld>
+    <p:spTree>
+      <p:nvGrpSpPr>
+        <p:cNvPr id="1" name=""/>
+        <p:cNvGrpSpPr/>
+        <p:nvPr/>
+      </p:nvGrpSpPr>
+      <p:grpSpPr>
+        <a:xfrm>
+          <a:off x="0" y="0"/>
+          <a:ext cx="0" cy="0"/>
+          <a:chOff x="0" y="0"/>
+          <a:chExt cx="0" cy="0"/>
+        </a:xfrm>
+      </p:grpSpPr>
+      <p:sp>
+        <p:nvSpPr>
+          <p:cNvPr id="2" name="Slide Image Placeholder 1"/>
+          <p:cNvSpPr>
+            <a:spLocks noGrp="1" noRot="1" noChangeAspect="1"/>
+          </p:cNvSpPr>
+          <p:nvPr>
+            <p:ph type="sldImg"/>
+          </p:nvPr>
+        </p:nvSpPr>
+        <p:spPr/>
+      </p:sp>
+      <p:sp>
+        <p:nvSpPr>
+          <p:cNvPr id="3" name="Notes Placeholder 2"/>
+          <p:cNvSpPr>
+            <a:spLocks noGrp="1"/>
+          </p:cNvSpPr>
+          <p:nvPr>
+            <p:ph type="body" idx="1"/>
+          </p:nvPr>
+        </p:nvSpPr>
+        <p:spPr/>
+        <p:txBody>
+          <a:bodyPr/>
+          <a:lstStyle/>
+          <a:p>
+            <a:endParaRPr lang="en-US" dirty="0"/>
+          </a:p>
+        </p:txBody>
+      </p:sp>
+      <p:sp>
+        <p:nvSpPr>
+          <p:cNvPr id="4" name="Slide Number Placeholder 3"/>
+          <p:cNvSpPr>
+            <a:spLocks noGrp="1"/>
+          </p:cNvSpPr>
+          <p:nvPr>
+            <p:ph type="sldNum" sz="quarter" idx="5"/>
+          </p:nvPr>
+        </p:nvSpPr>
+        <p:spPr/>
+        <p:txBody>
+          <a:bodyPr/>
+          <a:lstStyle/>
+          <a:p>
+            <a:fld id="{CCA727C5-22EF-4816-82A2-CAD5A71298A7}" type="slidenum">
+              <a:rPr lang="en-US" smtClean="0"/>
+              <a:t>13</a:t>
+            </a:fld>
+            <a:endParaRPr lang="en-US"/>
+          </a:p>
+        </p:txBody>
+      </p:sp>
+    </p:spTree>
+    <p:extLst>
+      <p:ext uri="{BB962C8B-B14F-4D97-AF65-F5344CB8AC3E}">
+        <p14:creationId xmlns:p14="http://schemas.microsoft.com/office/powerpoint/2010/main" val="4147332742"/>
       </p:ext>
     </p:extLst>
   </p:cSld>
@@ -2978,7 +3063,7 @@
           <a:p>
             <a:fld id="{0C70A6D8-89B8-49B0-8903-7EF273AB9F75}" type="datetime1">
               <a:rPr lang="en-US" smtClean="0"/>
-              <a:t>5/15/2023</a:t>
+              <a:t>5/16/2023</a:t>
             </a:fld>
             <a:endParaRPr lang="en-US"/>
           </a:p>
@@ -3268,7 +3353,7 @@
           <a:p>
             <a:fld id="{0C70A6D8-89B8-49B0-8903-7EF273AB9F75}" type="datetime1">
               <a:rPr lang="en-US" smtClean="0"/>
-              <a:t>5/15/2023</a:t>
+              <a:t>5/16/2023</a:t>
             </a:fld>
             <a:endParaRPr lang="en-US"/>
           </a:p>
@@ -3558,7 +3643,7 @@
           <a:p>
             <a:fld id="{0C70A6D8-89B8-49B0-8903-7EF273AB9F75}" type="datetime1">
               <a:rPr lang="en-US" smtClean="0"/>
-              <a:t>5/15/2023</a:t>
+              <a:t>5/16/2023</a:t>
             </a:fld>
             <a:endParaRPr lang="en-US"/>
           </a:p>
@@ -3848,7 +3933,7 @@
           <a:p>
             <a:fld id="{0C70A6D8-89B8-49B0-8903-7EF273AB9F75}" type="datetime1">
               <a:rPr lang="en-US" smtClean="0"/>
-              <a:t>5/15/2023</a:t>
+              <a:t>5/16/2023</a:t>
             </a:fld>
             <a:endParaRPr lang="en-US"/>
           </a:p>
@@ -4086,7 +4171,7 @@
           <a:p>
             <a:fld id="{0C70A6D8-89B8-49B0-8903-7EF273AB9F75}" type="datetime1">
               <a:rPr lang="en-US" smtClean="0"/>
-              <a:t>5/15/2023</a:t>
+              <a:t>5/16/2023</a:t>
             </a:fld>
             <a:endParaRPr lang="en-US"/>
           </a:p>
@@ -4545,7 +4630,7 @@
           <a:p>
             <a:fld id="{0C70A6D8-89B8-49B0-8903-7EF273AB9F75}" type="datetime1">
               <a:rPr lang="en-US" smtClean="0"/>
-              <a:t>5/15/2023</a:t>
+              <a:t>5/16/2023</a:t>
             </a:fld>
             <a:endParaRPr lang="en-US"/>
           </a:p>
@@ -4737,7 +4822,7 @@
           <a:p>
             <a:fld id="{0C70A6D8-89B8-49B0-8903-7EF273AB9F75}" type="datetime1">
               <a:rPr lang="en-US" smtClean="0"/>
-              <a:t>5/15/2023</a:t>
+              <a:t>5/16/2023</a:t>
             </a:fld>
             <a:endParaRPr lang="en-US"/>
           </a:p>
@@ -8219,7 +8304,7 @@
           <a:p>
             <a:fld id="{D9056D4C-34C4-4B6E-9840-2166E4C8C89A}" type="datetimeFigureOut">
               <a:rPr lang="en-US" smtClean="0"/>
-              <a:t>5/15/2023</a:t>
+              <a:t>5/16/2023</a:t>
             </a:fld>
             <a:endParaRPr lang="en-US"/>
           </a:p>
@@ -8469,7 +8554,7 @@
           <a:p>
             <a:fld id="{D9056D4C-34C4-4B6E-9840-2166E4C8C89A}" type="datetimeFigureOut">
               <a:rPr lang="en-US" smtClean="0"/>
-              <a:t>5/15/2023</a:t>
+              <a:t>5/16/2023</a:t>
             </a:fld>
             <a:endParaRPr lang="en-US"/>
           </a:p>
@@ -8855,7 +8940,7 @@
           <a:p>
             <a:fld id="{D9056D4C-34C4-4B6E-9840-2166E4C8C89A}" type="datetimeFigureOut">
               <a:rPr lang="en-US" smtClean="0"/>
-              <a:t>5/15/2023</a:t>
+              <a:t>5/16/2023</a:t>
             </a:fld>
             <a:endParaRPr lang="en-US"/>
           </a:p>
@@ -10028,7 +10113,7 @@
           <a:p>
             <a:fld id="{D9056D4C-34C4-4B6E-9840-2166E4C8C89A}" type="datetimeFigureOut">
               <a:rPr lang="en-US" smtClean="0"/>
-              <a:t>5/15/2023</a:t>
+              <a:t>5/16/2023</a:t>
             </a:fld>
             <a:endParaRPr lang="en-US"/>
           </a:p>
@@ -10317,7 +10402,7 @@
           <a:p>
             <a:fld id="{D9056D4C-34C4-4B6E-9840-2166E4C8C89A}" type="datetimeFigureOut">
               <a:rPr lang="en-US" smtClean="0"/>
-              <a:t>5/15/2023</a:t>
+              <a:t>5/16/2023</a:t>
             </a:fld>
             <a:endParaRPr lang="en-US"/>
           </a:p>
@@ -10606,7 +10691,7 @@
           <a:p>
             <a:fld id="{D9056D4C-34C4-4B6E-9840-2166E4C8C89A}" type="datetimeFigureOut">
               <a:rPr lang="en-US" smtClean="0"/>
-              <a:t>5/15/2023</a:t>
+              <a:t>5/16/2023</a:t>
             </a:fld>
             <a:endParaRPr lang="en-US"/>
           </a:p>
@@ -11514,7 +11599,7 @@
           <a:p>
             <a:fld id="{D9056D4C-34C4-4B6E-9840-2166E4C8C89A}" type="datetimeFigureOut">
               <a:rPr lang="en-US" smtClean="0"/>
-              <a:t>5/15/2023</a:t>
+              <a:t>5/16/2023</a:t>
             </a:fld>
             <a:endParaRPr lang="en-US"/>
           </a:p>
@@ -11746,7 +11831,7 @@
           <a:p>
             <a:fld id="{D9056D4C-34C4-4B6E-9840-2166E4C8C89A}" type="datetimeFigureOut">
               <a:rPr lang="en-US" smtClean="0"/>
-              <a:t>5/15/2023</a:t>
+              <a:t>5/16/2023</a:t>
             </a:fld>
             <a:endParaRPr lang="en-US"/>
           </a:p>
@@ -12203,7 +12288,7 @@
           <a:p>
             <a:fld id="{D9056D4C-34C4-4B6E-9840-2166E4C8C89A}" type="datetimeFigureOut">
               <a:rPr lang="en-US" smtClean="0"/>
-              <a:t>5/15/2023</a:t>
+              <a:t>5/16/2023</a:t>
             </a:fld>
             <a:endParaRPr lang="en-US"/>
           </a:p>
@@ -12394,7 +12479,7 @@
           <a:p>
             <a:fld id="{D9056D4C-34C4-4B6E-9840-2166E4C8C89A}" type="datetimeFigureOut">
               <a:rPr lang="en-US" smtClean="0"/>
-              <a:t>5/15/2023</a:t>
+              <a:t>5/16/2023</a:t>
             </a:fld>
             <a:endParaRPr lang="en-US"/>
           </a:p>
@@ -12669,7 +12754,7 @@
           <a:p>
             <a:fld id="{D9056D4C-34C4-4B6E-9840-2166E4C8C89A}" type="datetimeFigureOut">
               <a:rPr lang="en-US" smtClean="0"/>
-              <a:t>5/15/2023</a:t>
+              <a:t>5/16/2023</a:t>
             </a:fld>
             <a:endParaRPr lang="en-US"/>
           </a:p>
@@ -13935,7 +14020,7 @@
           <a:p>
             <a:fld id="{0C70A6D8-89B8-49B0-8903-7EF273AB9F75}" type="datetime1">
               <a:rPr lang="en-US" smtClean="0"/>
-              <a:t>5/15/2023</a:t>
+              <a:t>5/16/2023</a:t>
             </a:fld>
             <a:endParaRPr lang="en-US"/>
           </a:p>
@@ -14186,7 +14271,7 @@
           <a:p>
             <a:fld id="{0C70A6D8-89B8-49B0-8903-7EF273AB9F75}" type="datetime1">
               <a:rPr lang="en-US" smtClean="0"/>
-              <a:t>5/15/2023</a:t>
+              <a:t>5/16/2023</a:t>
             </a:fld>
             <a:endParaRPr lang="en-US"/>
           </a:p>
@@ -14573,7 +14658,7 @@
           <a:p>
             <a:fld id="{0C70A6D8-89B8-49B0-8903-7EF273AB9F75}" type="datetime1">
               <a:rPr lang="en-US" smtClean="0"/>
-              <a:t>5/15/2023</a:t>
+              <a:t>5/16/2023</a:t>
             </a:fld>
             <a:endParaRPr lang="en-US"/>
           </a:p>
@@ -14834,7 +14919,7 @@
           <a:p>
             <a:fld id="{0C70A6D8-89B8-49B0-8903-7EF273AB9F75}" type="datetime1">
               <a:rPr lang="en-US" smtClean="0"/>
-              <a:t>5/15/2023</a:t>
+              <a:t>5/16/2023</a:t>
             </a:fld>
             <a:endParaRPr lang="en-US"/>
           </a:p>
@@ -16981,7 +17066,7 @@
           <a:p>
             <a:fld id="{D9056D4C-34C4-4B6E-9840-2166E4C8C89A}" type="datetimeFigureOut">
               <a:rPr lang="en-US" smtClean="0"/>
-              <a:t>5/15/2023</a:t>
+              <a:t>5/16/2023</a:t>
             </a:fld>
             <a:endParaRPr lang="en-US"/>
           </a:p>
@@ -20351,6 +20436,308 @@
 </p:sld>
 </file>
 
+<file path=ppt/slides/slide13.xml><?xml version="1.0" encoding="utf-8"?>
+<p:sld xmlns:a="http://schemas.openxmlformats.org/drawingml/2006/main" xmlns:r="http://schemas.openxmlformats.org/officeDocument/2006/relationships" xmlns:p="http://schemas.openxmlformats.org/presentationml/2006/main">
+  <p:cSld>
+    <p:spTree>
+      <p:nvGrpSpPr>
+        <p:cNvPr id="1" name=""/>
+        <p:cNvGrpSpPr/>
+        <p:nvPr/>
+      </p:nvGrpSpPr>
+      <p:grpSpPr>
+        <a:xfrm>
+          <a:off x="0" y="0"/>
+          <a:ext cx="0" cy="0"/>
+          <a:chOff x="0" y="0"/>
+          <a:chExt cx="0" cy="0"/>
+        </a:xfrm>
+      </p:grpSpPr>
+      <p:sp>
+        <p:nvSpPr>
+          <p:cNvPr id="2" name="Title 1">
+            <a:extLst>
+              <a:ext uri="{FF2B5EF4-FFF2-40B4-BE49-F238E27FC236}">
+                <a16:creationId xmlns:a16="http://schemas.microsoft.com/office/drawing/2014/main" id="{476A1790-0A95-E5B5-727F-A507930FC574}"/>
+              </a:ext>
+            </a:extLst>
+          </p:cNvPr>
+          <p:cNvSpPr>
+            <a:spLocks noGrp="1"/>
+          </p:cNvSpPr>
+          <p:nvPr>
+            <p:ph type="title"/>
+          </p:nvPr>
+        </p:nvSpPr>
+        <p:spPr/>
+        <p:txBody>
+          <a:bodyPr/>
+          <a:lstStyle/>
+          <a:p>
+            <a:r>
+              <a:rPr lang="en-US" dirty="0"/>
+              <a:t>Assignment – May 23</a:t>
+            </a:r>
+          </a:p>
+        </p:txBody>
+      </p:sp>
+      <p:sp>
+        <p:nvSpPr>
+          <p:cNvPr id="3" name="Content Placeholder 2">
+            <a:extLst>
+              <a:ext uri="{FF2B5EF4-FFF2-40B4-BE49-F238E27FC236}">
+                <a16:creationId xmlns:a16="http://schemas.microsoft.com/office/drawing/2014/main" id="{E7765531-CC6A-13D4-8A07-1A08FFF87A02}"/>
+              </a:ext>
+            </a:extLst>
+          </p:cNvPr>
+          <p:cNvSpPr>
+            <a:spLocks noGrp="1"/>
+          </p:cNvSpPr>
+          <p:nvPr>
+            <p:ph idx="1"/>
+          </p:nvPr>
+        </p:nvSpPr>
+        <p:spPr>
+          <a:xfrm>
+            <a:off x="478369" y="1154426"/>
+            <a:ext cx="11473384" cy="4348883"/>
+          </a:xfrm>
+        </p:spPr>
+        <p:txBody>
+          <a:bodyPr/>
+          <a:lstStyle/>
+          <a:p>
+            <a:r>
+              <a:rPr lang="en-US" b="1" dirty="0"/>
+              <a:t>Prepare a 20 min presentation of the following algorithms:</a:t>
+            </a:r>
+          </a:p>
+          <a:p>
+            <a:pPr marL="342900" indent="-342900">
+              <a:buFont typeface="Arial" panose="020B0604020202020204" pitchFamily="34" charset="0"/>
+              <a:buChar char="•"/>
+            </a:pPr>
+            <a:r>
+              <a:rPr lang="en-US" u="sng" dirty="0" err="1"/>
+              <a:t>Ardalan</a:t>
+            </a:r>
+            <a:r>
+              <a:rPr lang="en-US" dirty="0"/>
+              <a:t> - Review DQN, Double-DQN, Dueling Double-DQN</a:t>
+            </a:r>
+          </a:p>
+          <a:p>
+            <a:pPr marL="342900" indent="-342900">
+              <a:buFont typeface="Arial" panose="020B0604020202020204" pitchFamily="34" charset="0"/>
+              <a:buChar char="•"/>
+            </a:pPr>
+            <a:r>
+              <a:rPr lang="en-US" u="sng" dirty="0"/>
+              <a:t>Luca</a:t>
+            </a:r>
+            <a:r>
+              <a:rPr lang="en-US" dirty="0"/>
+              <a:t> - A2C, A3C, SAC</a:t>
+            </a:r>
+          </a:p>
+          <a:p>
+            <a:pPr marL="342900" indent="-342900">
+              <a:buFont typeface="Arial" panose="020B0604020202020204" pitchFamily="34" charset="0"/>
+              <a:buChar char="•"/>
+            </a:pPr>
+            <a:r>
+              <a:rPr lang="en-US" u="sng" dirty="0"/>
+              <a:t>Finn</a:t>
+            </a:r>
+            <a:r>
+              <a:rPr lang="en-US" dirty="0"/>
+              <a:t> - PPO, DDPG/TD3, TRPO </a:t>
+            </a:r>
+          </a:p>
+          <a:p>
+            <a:r>
+              <a:rPr lang="en-US" b="1" dirty="0"/>
+              <a:t>For each algorithm:</a:t>
+            </a:r>
+          </a:p>
+          <a:p>
+            <a:pPr marL="342900" indent="-342900">
+              <a:buFont typeface="Arial" panose="020B0604020202020204" pitchFamily="34" charset="0"/>
+              <a:buChar char="•"/>
+            </a:pPr>
+            <a:r>
+              <a:rPr lang="en-US" u="sng" dirty="0"/>
+              <a:t>Motivation</a:t>
+            </a:r>
+            <a:r>
+              <a:rPr lang="en-US" dirty="0"/>
+              <a:t> - what are the problem that the algorithm is trying to solve?</a:t>
+            </a:r>
+          </a:p>
+          <a:p>
+            <a:pPr marL="342900" indent="-342900">
+              <a:buFont typeface="Arial" panose="020B0604020202020204" pitchFamily="34" charset="0"/>
+              <a:buChar char="•"/>
+            </a:pPr>
+            <a:r>
+              <a:rPr lang="en-US" u="sng" dirty="0"/>
+              <a:t>Approach</a:t>
+            </a:r>
+            <a:r>
+              <a:rPr lang="en-US" dirty="0"/>
+              <a:t> - what are the insights/innovation/tricks that enabled the new algorithm?</a:t>
+            </a:r>
+          </a:p>
+          <a:p>
+            <a:pPr marL="342900" indent="-342900">
+              <a:buFont typeface="Arial" panose="020B0604020202020204" pitchFamily="34" charset="0"/>
+              <a:buChar char="•"/>
+            </a:pPr>
+            <a:r>
+              <a:rPr lang="en-US" u="sng" dirty="0"/>
+              <a:t>Assumption</a:t>
+            </a:r>
+            <a:r>
+              <a:rPr lang="en-US" dirty="0"/>
+              <a:t> - what are the necessary conditions for the algorithm to perform well?</a:t>
+            </a:r>
+          </a:p>
+          <a:p>
+            <a:pPr marL="342900" indent="-342900">
+              <a:buFont typeface="Arial" panose="020B0604020202020204" pitchFamily="34" charset="0"/>
+              <a:buChar char="•"/>
+            </a:pPr>
+            <a:r>
+              <a:rPr lang="en-US" u="sng" dirty="0"/>
+              <a:t>Activity diagram </a:t>
+            </a:r>
+            <a:r>
+              <a:rPr lang="en-US" dirty="0"/>
+              <a:t>- high-level steps taken by the algorithm?</a:t>
+            </a:r>
+          </a:p>
+          <a:p>
+            <a:pPr marL="342900" indent="-342900">
+              <a:buFont typeface="Arial" panose="020B0604020202020204" pitchFamily="34" charset="0"/>
+              <a:buChar char="•"/>
+            </a:pPr>
+            <a:r>
+              <a:rPr lang="en-US" u="sng" dirty="0"/>
+              <a:t>Pseudo code </a:t>
+            </a:r>
+            <a:r>
+              <a:rPr lang="en-US" dirty="0"/>
+              <a:t>- Latex format (https://www.overleaf.com/learn/latex/Algorithms)</a:t>
+            </a:r>
+          </a:p>
+        </p:txBody>
+      </p:sp>
+      <p:sp>
+        <p:nvSpPr>
+          <p:cNvPr id="4" name="Slide Number Placeholder 3">
+            <a:extLst>
+              <a:ext uri="{FF2B5EF4-FFF2-40B4-BE49-F238E27FC236}">
+                <a16:creationId xmlns:a16="http://schemas.microsoft.com/office/drawing/2014/main" id="{647E00F8-9E91-733A-015B-3E0B0BCF821A}"/>
+              </a:ext>
+            </a:extLst>
+          </p:cNvPr>
+          <p:cNvSpPr>
+            <a:spLocks noGrp="1"/>
+          </p:cNvSpPr>
+          <p:nvPr>
+            <p:ph type="sldNum" sz="quarter" idx="12"/>
+          </p:nvPr>
+        </p:nvSpPr>
+        <p:spPr/>
+        <p:txBody>
+          <a:bodyPr/>
+          <a:lstStyle/>
+          <a:p>
+            <a:fld id="{47A777B1-4A66-48BF-8387-31033AC26DFC}" type="slidenum">
+              <a:rPr lang="en-US" smtClean="0"/>
+              <a:t>13</a:t>
+            </a:fld>
+            <a:endParaRPr lang="en-US"/>
+          </a:p>
+        </p:txBody>
+      </p:sp>
+      <p:sp>
+        <p:nvSpPr>
+          <p:cNvPr id="5" name="TextBox 4">
+            <a:extLst>
+              <a:ext uri="{FF2B5EF4-FFF2-40B4-BE49-F238E27FC236}">
+                <a16:creationId xmlns:a16="http://schemas.microsoft.com/office/drawing/2014/main" id="{88227861-4A53-EEB7-202E-B240C37E8834}"/>
+              </a:ext>
+            </a:extLst>
+          </p:cNvPr>
+          <p:cNvSpPr txBox="1"/>
+          <p:nvPr/>
+        </p:nvSpPr>
+        <p:spPr bwMode="gray">
+          <a:xfrm>
+            <a:off x="1049044" y="5740062"/>
+            <a:ext cx="9596761" cy="822477"/>
+          </a:xfrm>
+          <a:prstGeom prst="rect">
+            <a:avLst/>
+          </a:prstGeom>
+          <a:solidFill>
+            <a:schemeClr val="accent3">
+              <a:lumMod val="20000"/>
+              <a:lumOff val="80000"/>
+            </a:schemeClr>
+          </a:solidFill>
+        </p:spPr>
+        <p:txBody>
+          <a:bodyPr wrap="square" lIns="91440" tIns="91440" rIns="91440" bIns="91440" rtlCol="0">
+            <a:noAutofit/>
+          </a:bodyPr>
+          <a:lstStyle/>
+          <a:p>
+            <a:pPr>
+              <a:spcBef>
+                <a:spcPts val="300"/>
+              </a:spcBef>
+              <a:spcAft>
+                <a:spcPts val="300"/>
+              </a:spcAft>
+              <a:buClr>
+                <a:schemeClr val="accent1"/>
+              </a:buClr>
+              <a:buSzPct val="90000"/>
+            </a:pPr>
+            <a:r>
+              <a:rPr lang="en-US" sz="1600" b="1" dirty="0"/>
+              <a:t>Rationale</a:t>
+            </a:r>
+            <a:r>
+              <a:rPr lang="en-US" sz="1600" dirty="0"/>
+              <a:t> – moving forward we will discuss the pros and cons of each approach </a:t>
+            </a:r>
+            <a:r>
+              <a:rPr lang="en-US" sz="1600" dirty="0" err="1"/>
+              <a:t>w.r.t.</a:t>
+            </a:r>
+            <a:r>
+              <a:rPr lang="en-US" sz="1600" dirty="0"/>
+              <a:t> safety. Therefore, in order that you can discuss the safety requirements and corresponding solutions, it is fundamental that you have a very good understanding of the algorithms.</a:t>
+            </a:r>
+          </a:p>
+        </p:txBody>
+      </p:sp>
+    </p:spTree>
+    <p:extLst>
+      <p:ext uri="{BB962C8B-B14F-4D97-AF65-F5344CB8AC3E}">
+        <p14:creationId xmlns:p14="http://schemas.microsoft.com/office/powerpoint/2010/main" val="3623515727"/>
+      </p:ext>
+    </p:extLst>
+  </p:cSld>
+  <p:clrMapOvr>
+    <a:masterClrMapping/>
+  </p:clrMapOvr>
+</p:sld>
+</file>
+
 <file path=ppt/slides/slide2.xml><?xml version="1.0" encoding="utf-8"?>
 <p:sld xmlns:a="http://schemas.openxmlformats.org/drawingml/2006/main" xmlns:r="http://schemas.openxmlformats.org/officeDocument/2006/relationships" xmlns:p="http://schemas.openxmlformats.org/presentationml/2006/main">
   <p:cSld>
@@ -21825,8 +22212,8 @@
           </a:p>
         </p:txBody>
       </p:sp>
-      <mc:AlternateContent xmlns:mc="http://schemas.openxmlformats.org/markup-compatibility/2006">
-        <mc:Choice xmlns:a14="http://schemas.microsoft.com/office/drawing/2010/main" Requires="a14">
+      <mc:AlternateContent xmlns:mc="http://schemas.openxmlformats.org/markup-compatibility/2006" xmlns:a14="http://schemas.microsoft.com/office/drawing/2010/main">
+        <mc:Choice Requires="a14">
           <p:sp>
             <p:nvSpPr>
               <p:cNvPr id="3" name="Content Placeholder 2">
@@ -21891,7 +22278,7 @@
             </p:txBody>
           </p:sp>
         </mc:Choice>
-        <mc:Fallback>
+        <mc:Fallback xmlns="">
           <p:sp>
             <p:nvSpPr>
               <p:cNvPr id="3" name="Content Placeholder 2">
@@ -22029,8 +22416,8 @@
           </a:p>
         </p:txBody>
       </p:sp>
-      <mc:AlternateContent xmlns:mc="http://schemas.openxmlformats.org/markup-compatibility/2006">
-        <mc:Choice xmlns:a14="http://schemas.microsoft.com/office/drawing/2010/main" Requires="a14">
+      <mc:AlternateContent xmlns:mc="http://schemas.openxmlformats.org/markup-compatibility/2006" xmlns:a14="http://schemas.microsoft.com/office/drawing/2010/main">
+        <mc:Choice Requires="a14">
           <p:sp>
             <p:nvSpPr>
               <p:cNvPr id="9" name="Content Placeholder 2">
@@ -22852,7 +23239,7 @@
             </p:txBody>
           </p:sp>
         </mc:Choice>
-        <mc:Fallback>
+        <mc:Fallback xmlns="">
           <p:sp>
             <p:nvSpPr>
               <p:cNvPr id="9" name="Content Placeholder 2">
